--- a/ecommerceWS/KshitizGargProject.pptx
+++ b/ecommerceWS/KshitizGargProject.pptx
@@ -3978,6 +3978,30 @@
           </a:p>
         </p:txBody>
       </p:sp>
+      <p:pic>
+        <p:nvPicPr>
+          <p:cNvPr id="2" name="Picture 1"/>
+          <p:cNvPicPr>
+            <a:picLocks noChangeAspect="1"/>
+          </p:cNvPicPr>
+          <p:nvPr/>
+        </p:nvPicPr>
+        <p:blipFill>
+          <a:blip r:embed="rId2"/>
+          <a:stretch>
+            <a:fillRect/>
+          </a:stretch>
+        </p:blipFill>
+        <p:spPr>
+          <a:xfrm>
+            <a:off x="648501" y="442761"/>
+            <a:ext cx="11049000" cy="6258425"/>
+          </a:xfrm>
+          <a:prstGeom prst="rect">
+            <a:avLst/>
+          </a:prstGeom>
+        </p:spPr>
+      </p:pic>
     </p:spTree>
     <p:extLst>
       <p:ext uri="{BB962C8B-B14F-4D97-AF65-F5344CB8AC3E}">
